--- a/doc/sleeflogo.pptx
+++ b/doc/sleeflogo.pptx
@@ -6,9 +6,11 @@
   </p:sldMasterIdLst>
   <p:sldIdLst>
     <p:sldId id="259" r:id="rId2"/>
-    <p:sldId id="257" r:id="rId3"/>
-    <p:sldId id="258" r:id="rId4"/>
-    <p:sldId id="256" r:id="rId5"/>
+    <p:sldId id="260" r:id="rId3"/>
+    <p:sldId id="261" r:id="rId4"/>
+    <p:sldId id="257" r:id="rId5"/>
+    <p:sldId id="258" r:id="rId6"/>
+    <p:sldId id="256" r:id="rId7"/>
   </p:sldIdLst>
   <p:sldSz cx="9144000" cy="6858000" type="screen4x3"/>
   <p:notesSz cx="6858000" cy="9144000"/>
@@ -307,7 +309,7 @@
           <a:p>
             <a:fld id="{CDFF9E0C-BD50-4A3B-B38F-1839D1842F92}" type="datetimeFigureOut">
               <a:rPr kumimoji="1" lang="ja-JP" altLang="en-US" smtClean="0"/>
-              <a:t>2017/2/27</a:t>
+              <a:t>2017/7/12</a:t>
             </a:fld>
             <a:endParaRPr kumimoji="1" lang="ja-JP" altLang="en-US"/>
           </a:p>
@@ -509,7 +511,7 @@
           <a:p>
             <a:fld id="{CDFF9E0C-BD50-4A3B-B38F-1839D1842F92}" type="datetimeFigureOut">
               <a:rPr kumimoji="1" lang="ja-JP" altLang="en-US" smtClean="0"/>
-              <a:t>2017/2/27</a:t>
+              <a:t>2017/7/12</a:t>
             </a:fld>
             <a:endParaRPr kumimoji="1" lang="ja-JP" altLang="en-US"/>
           </a:p>
@@ -721,7 +723,7 @@
           <a:p>
             <a:fld id="{CDFF9E0C-BD50-4A3B-B38F-1839D1842F92}" type="datetimeFigureOut">
               <a:rPr kumimoji="1" lang="ja-JP" altLang="en-US" smtClean="0"/>
-              <a:t>2017/2/27</a:t>
+              <a:t>2017/7/12</a:t>
             </a:fld>
             <a:endParaRPr kumimoji="1" lang="ja-JP" altLang="en-US"/>
           </a:p>
@@ -923,7 +925,7 @@
           <a:p>
             <a:fld id="{CDFF9E0C-BD50-4A3B-B38F-1839D1842F92}" type="datetimeFigureOut">
               <a:rPr kumimoji="1" lang="ja-JP" altLang="en-US" smtClean="0"/>
-              <a:t>2017/2/27</a:t>
+              <a:t>2017/7/12</a:t>
             </a:fld>
             <a:endParaRPr kumimoji="1" lang="ja-JP" altLang="en-US"/>
           </a:p>
@@ -1169,7 +1171,7 @@
           <a:p>
             <a:fld id="{CDFF9E0C-BD50-4A3B-B38F-1839D1842F92}" type="datetimeFigureOut">
               <a:rPr kumimoji="1" lang="ja-JP" altLang="en-US" smtClean="0"/>
-              <a:t>2017/2/27</a:t>
+              <a:t>2017/7/12</a:t>
             </a:fld>
             <a:endParaRPr kumimoji="1" lang="ja-JP" altLang="en-US"/>
           </a:p>
@@ -1521,7 +1523,7 @@
           <a:p>
             <a:fld id="{CDFF9E0C-BD50-4A3B-B38F-1839D1842F92}" type="datetimeFigureOut">
               <a:rPr kumimoji="1" lang="ja-JP" altLang="en-US" smtClean="0"/>
-              <a:t>2017/2/27</a:t>
+              <a:t>2017/7/12</a:t>
             </a:fld>
             <a:endParaRPr kumimoji="1" lang="ja-JP" altLang="en-US"/>
           </a:p>
@@ -2007,7 +2009,7 @@
           <a:p>
             <a:fld id="{CDFF9E0C-BD50-4A3B-B38F-1839D1842F92}" type="datetimeFigureOut">
               <a:rPr kumimoji="1" lang="ja-JP" altLang="en-US" smtClean="0"/>
-              <a:t>2017/2/27</a:t>
+              <a:t>2017/7/12</a:t>
             </a:fld>
             <a:endParaRPr kumimoji="1" lang="ja-JP" altLang="en-US"/>
           </a:p>
@@ -2125,7 +2127,7 @@
           <a:p>
             <a:fld id="{CDFF9E0C-BD50-4A3B-B38F-1839D1842F92}" type="datetimeFigureOut">
               <a:rPr kumimoji="1" lang="ja-JP" altLang="en-US" smtClean="0"/>
-              <a:t>2017/2/27</a:t>
+              <a:t>2017/7/12</a:t>
             </a:fld>
             <a:endParaRPr kumimoji="1" lang="ja-JP" altLang="en-US"/>
           </a:p>
@@ -2220,7 +2222,7 @@
           <a:p>
             <a:fld id="{CDFF9E0C-BD50-4A3B-B38F-1839D1842F92}" type="datetimeFigureOut">
               <a:rPr kumimoji="1" lang="ja-JP" altLang="en-US" smtClean="0"/>
-              <a:t>2017/2/27</a:t>
+              <a:t>2017/7/12</a:t>
             </a:fld>
             <a:endParaRPr kumimoji="1" lang="ja-JP" altLang="en-US"/>
           </a:p>
@@ -2529,7 +2531,7 @@
           <a:p>
             <a:fld id="{CDFF9E0C-BD50-4A3B-B38F-1839D1842F92}" type="datetimeFigureOut">
               <a:rPr kumimoji="1" lang="ja-JP" altLang="en-US" smtClean="0"/>
-              <a:t>2017/2/27</a:t>
+              <a:t>2017/7/12</a:t>
             </a:fld>
             <a:endParaRPr kumimoji="1" lang="ja-JP" altLang="en-US"/>
           </a:p>
@@ -2782,7 +2784,7 @@
           <a:p>
             <a:fld id="{CDFF9E0C-BD50-4A3B-B38F-1839D1842F92}" type="datetimeFigureOut">
               <a:rPr kumimoji="1" lang="ja-JP" altLang="en-US" smtClean="0"/>
-              <a:t>2017/2/27</a:t>
+              <a:t>2017/7/12</a:t>
             </a:fld>
             <a:endParaRPr kumimoji="1" lang="ja-JP" altLang="en-US"/>
           </a:p>
@@ -3027,7 +3029,7 @@
           <a:p>
             <a:fld id="{CDFF9E0C-BD50-4A3B-B38F-1839D1842F92}" type="datetimeFigureOut">
               <a:rPr kumimoji="1" lang="ja-JP" altLang="en-US" smtClean="0"/>
-              <a:t>2017/2/27</a:t>
+              <a:t>2017/7/12</a:t>
             </a:fld>
             <a:endParaRPr kumimoji="1" lang="ja-JP" altLang="en-US"/>
           </a:p>
@@ -3532,6 +3534,420 @@
 </file>
 
 <file path=ppt/slides/slide2.xml><?xml version="1.0" encoding="utf-8"?>
+<p:sld xmlns:a="http://schemas.openxmlformats.org/drawingml/2006/main" xmlns:r="http://schemas.openxmlformats.org/officeDocument/2006/relationships" xmlns:p="http://schemas.openxmlformats.org/presentationml/2006/main">
+  <p:cSld>
+    <p:spTree>
+      <p:nvGrpSpPr>
+        <p:cNvPr id="1" name=""/>
+        <p:cNvGrpSpPr/>
+        <p:nvPr/>
+      </p:nvGrpSpPr>
+      <p:grpSpPr>
+        <a:xfrm>
+          <a:off x="0" y="0"/>
+          <a:ext cx="0" cy="0"/>
+          <a:chOff x="0" y="0"/>
+          <a:chExt cx="0" cy="0"/>
+        </a:xfrm>
+      </p:grpSpPr>
+      <p:pic>
+        <p:nvPicPr>
+          <p:cNvPr id="1026" name="Picture 2"/>
+          <p:cNvPicPr>
+            <a:picLocks noChangeAspect="1" noChangeArrowheads="1"/>
+          </p:cNvPicPr>
+          <p:nvPr/>
+        </p:nvPicPr>
+        <p:blipFill>
+          <a:blip r:embed="rId2" cstate="print">
+            <a:extLst>
+              <a:ext uri="{28A0092B-C50C-407E-A947-70E740481C1C}">
+                <a14:useLocalDpi xmlns:a14="http://schemas.microsoft.com/office/drawing/2010/main" val="0"/>
+              </a:ext>
+            </a:extLst>
+          </a:blip>
+          <a:stretch>
+            <a:fillRect/>
+          </a:stretch>
+        </p:blipFill>
+        <p:spPr bwMode="auto">
+          <a:xfrm rot="17274516">
+            <a:off x="1405290" y="1563501"/>
+            <a:ext cx="6031023" cy="3484508"/>
+          </a:xfrm>
+          <a:prstGeom prst="rect">
+            <a:avLst/>
+          </a:prstGeom>
+          <a:noFill/>
+          <a:extLst>
+            <a:ext uri="{909E8E84-426E-40DD-AFC4-6F175D3DCCD1}">
+              <a14:hiddenFill xmlns:a14="http://schemas.microsoft.com/office/drawing/2010/main">
+                <a:solidFill>
+                  <a:srgbClr val="FFFFFF"/>
+                </a:solidFill>
+              </a14:hiddenFill>
+            </a:ext>
+          </a:extLst>
+        </p:spPr>
+      </p:pic>
+      <p:sp>
+        <p:nvSpPr>
+          <p:cNvPr id="2" name="正方形/長方形 1"/>
+          <p:cNvSpPr/>
+          <p:nvPr/>
+        </p:nvSpPr>
+        <p:spPr>
+          <a:xfrm>
+            <a:off x="1979712" y="764704"/>
+            <a:ext cx="5112568" cy="5112568"/>
+          </a:xfrm>
+          <a:prstGeom prst="rect">
+            <a:avLst/>
+          </a:prstGeom>
+          <a:noFill/>
+        </p:spPr>
+        <p:style>
+          <a:lnRef idx="2">
+            <a:schemeClr val="accent1">
+              <a:shade val="50000"/>
+            </a:schemeClr>
+          </a:lnRef>
+          <a:fillRef idx="1">
+            <a:schemeClr val="accent1"/>
+          </a:fillRef>
+          <a:effectRef idx="0">
+            <a:schemeClr val="accent1"/>
+          </a:effectRef>
+          <a:fontRef idx="minor">
+            <a:schemeClr val="lt1"/>
+          </a:fontRef>
+        </p:style>
+        <p:txBody>
+          <a:bodyPr rtlCol="0" anchor="ctr"/>
+          <a:lstStyle/>
+          <a:p>
+            <a:pPr algn="ctr"/>
+            <a:endParaRPr kumimoji="1" lang="ja-JP" altLang="en-US"/>
+          </a:p>
+        </p:txBody>
+      </p:sp>
+      <p:sp>
+        <p:nvSpPr>
+          <p:cNvPr id="6" name="テキスト ボックス 5"/>
+          <p:cNvSpPr txBox="1"/>
+          <p:nvPr/>
+        </p:nvSpPr>
+        <p:spPr>
+          <a:xfrm>
+            <a:off x="2051720" y="620688"/>
+            <a:ext cx="4752527" cy="1569660"/>
+          </a:xfrm>
+          <a:prstGeom prst="rect">
+            <a:avLst/>
+          </a:prstGeom>
+          <a:noFill/>
+        </p:spPr>
+        <p:txBody>
+          <a:bodyPr wrap="square" rtlCol="0">
+            <a:spAutoFit/>
+          </a:bodyPr>
+          <a:lstStyle/>
+          <a:p>
+            <a:r>
+              <a:rPr kumimoji="1" lang="en-US" altLang="ja-JP" sz="9600" dirty="0" smtClean="0">
+                <a:latin typeface="Georgia" pitchFamily="18" charset="0"/>
+              </a:rPr>
+              <a:t>SLEEF</a:t>
+            </a:r>
+            <a:endParaRPr kumimoji="1" lang="ja-JP" altLang="en-US" sz="9600" dirty="0">
+              <a:latin typeface="Georgia" pitchFamily="18" charset="0"/>
+            </a:endParaRPr>
+          </a:p>
+        </p:txBody>
+      </p:sp>
+      <p:sp>
+        <p:nvSpPr>
+          <p:cNvPr id="7" name="テキスト ボックス 6"/>
+          <p:cNvSpPr txBox="1"/>
+          <p:nvPr/>
+        </p:nvSpPr>
+        <p:spPr>
+          <a:xfrm>
+            <a:off x="2051720" y="2132856"/>
+            <a:ext cx="3018775" cy="1200329"/>
+          </a:xfrm>
+          <a:prstGeom prst="rect">
+            <a:avLst/>
+          </a:prstGeom>
+          <a:noFill/>
+        </p:spPr>
+        <p:txBody>
+          <a:bodyPr wrap="none" rtlCol="0">
+            <a:spAutoFit/>
+          </a:bodyPr>
+          <a:lstStyle/>
+          <a:p>
+            <a:r>
+              <a:rPr kumimoji="1" lang="en-US" altLang="ja-JP" sz="3600" dirty="0" smtClean="0">
+                <a:latin typeface="Georgia" pitchFamily="18" charset="0"/>
+              </a:rPr>
+              <a:t>SIMD Library</a:t>
+            </a:r>
+          </a:p>
+          <a:p>
+            <a:r>
+              <a:rPr kumimoji="1" lang="en-US" altLang="ja-JP" sz="3600" dirty="0" smtClean="0">
+                <a:latin typeface="Georgia" pitchFamily="18" charset="0"/>
+              </a:rPr>
+              <a:t>for</a:t>
+            </a:r>
+          </a:p>
+        </p:txBody>
+      </p:sp>
+      <p:sp>
+        <p:nvSpPr>
+          <p:cNvPr id="10" name="テキスト ボックス 9"/>
+          <p:cNvSpPr txBox="1"/>
+          <p:nvPr/>
+        </p:nvSpPr>
+        <p:spPr>
+          <a:xfrm>
+            <a:off x="4355976" y="4050938"/>
+            <a:ext cx="2550698" cy="1754326"/>
+          </a:xfrm>
+          <a:prstGeom prst="rect">
+            <a:avLst/>
+          </a:prstGeom>
+          <a:noFill/>
+        </p:spPr>
+        <p:txBody>
+          <a:bodyPr wrap="none" rtlCol="0">
+            <a:spAutoFit/>
+          </a:bodyPr>
+          <a:lstStyle/>
+          <a:p>
+            <a:pPr algn="r"/>
+            <a:r>
+              <a:rPr kumimoji="1" lang="en-US" altLang="ja-JP" sz="3600" dirty="0" smtClean="0">
+                <a:latin typeface="Georgia" pitchFamily="18" charset="0"/>
+              </a:rPr>
+              <a:t>Evaluating</a:t>
+            </a:r>
+          </a:p>
+          <a:p>
+            <a:pPr algn="r"/>
+            <a:r>
+              <a:rPr kumimoji="1" lang="en-US" altLang="ja-JP" sz="3600" dirty="0" smtClean="0">
+                <a:latin typeface="Georgia" pitchFamily="18" charset="0"/>
+              </a:rPr>
+              <a:t>Elementary</a:t>
+            </a:r>
+          </a:p>
+          <a:p>
+            <a:pPr algn="r"/>
+            <a:r>
+              <a:rPr kumimoji="1" lang="en-US" altLang="ja-JP" sz="3600" dirty="0" smtClean="0">
+                <a:latin typeface="Georgia" pitchFamily="18" charset="0"/>
+              </a:rPr>
+              <a:t>Functions</a:t>
+            </a:r>
+            <a:endParaRPr kumimoji="1" lang="ja-JP" altLang="en-US" sz="3600" dirty="0">
+              <a:latin typeface="Georgia" pitchFamily="18" charset="0"/>
+            </a:endParaRPr>
+          </a:p>
+        </p:txBody>
+      </p:sp>
+    </p:spTree>
+    <p:extLst>
+      <p:ext uri="{BB962C8B-B14F-4D97-AF65-F5344CB8AC3E}">
+        <p14:creationId xmlns:p14="http://schemas.microsoft.com/office/powerpoint/2010/main" val="2553474148"/>
+      </p:ext>
+    </p:extLst>
+  </p:cSld>
+  <p:clrMapOvr>
+    <a:masterClrMapping/>
+  </p:clrMapOvr>
+</p:sld>
+</file>
+
+<file path=ppt/slides/slide3.xml><?xml version="1.0" encoding="utf-8"?>
+<p:sld xmlns:a="http://schemas.openxmlformats.org/drawingml/2006/main" xmlns:r="http://schemas.openxmlformats.org/officeDocument/2006/relationships" xmlns:p="http://schemas.openxmlformats.org/presentationml/2006/main">
+  <p:cSld>
+    <p:spTree>
+      <p:nvGrpSpPr>
+        <p:cNvPr id="1" name=""/>
+        <p:cNvGrpSpPr/>
+        <p:nvPr/>
+      </p:nvGrpSpPr>
+      <p:grpSpPr>
+        <a:xfrm>
+          <a:off x="0" y="0"/>
+          <a:ext cx="0" cy="0"/>
+          <a:chOff x="0" y="0"/>
+          <a:chExt cx="0" cy="0"/>
+        </a:xfrm>
+      </p:grpSpPr>
+      <p:sp>
+        <p:nvSpPr>
+          <p:cNvPr id="2" name="正方形/長方形 1"/>
+          <p:cNvSpPr/>
+          <p:nvPr/>
+        </p:nvSpPr>
+        <p:spPr>
+          <a:xfrm>
+            <a:off x="1979712" y="764704"/>
+            <a:ext cx="5112568" cy="5112568"/>
+          </a:xfrm>
+          <a:prstGeom prst="rect">
+            <a:avLst/>
+          </a:prstGeom>
+          <a:noFill/>
+        </p:spPr>
+        <p:style>
+          <a:lnRef idx="2">
+            <a:schemeClr val="accent1">
+              <a:shade val="50000"/>
+            </a:schemeClr>
+          </a:lnRef>
+          <a:fillRef idx="1">
+            <a:schemeClr val="accent1"/>
+          </a:fillRef>
+          <a:effectRef idx="0">
+            <a:schemeClr val="accent1"/>
+          </a:effectRef>
+          <a:fontRef idx="minor">
+            <a:schemeClr val="lt1"/>
+          </a:fontRef>
+        </p:style>
+        <p:txBody>
+          <a:bodyPr rtlCol="0" anchor="ctr"/>
+          <a:lstStyle/>
+          <a:p>
+            <a:pPr algn="ctr"/>
+            <a:endParaRPr kumimoji="1" lang="ja-JP" altLang="en-US"/>
+          </a:p>
+        </p:txBody>
+      </p:sp>
+      <p:sp>
+        <p:nvSpPr>
+          <p:cNvPr id="6" name="テキスト ボックス 5"/>
+          <p:cNvSpPr txBox="1"/>
+          <p:nvPr/>
+        </p:nvSpPr>
+        <p:spPr>
+          <a:xfrm>
+            <a:off x="1492081" y="404664"/>
+            <a:ext cx="6048671" cy="3477875"/>
+          </a:xfrm>
+          <a:prstGeom prst="rect">
+            <a:avLst/>
+          </a:prstGeom>
+          <a:noFill/>
+        </p:spPr>
+        <p:txBody>
+          <a:bodyPr wrap="square" rtlCol="0">
+            <a:spAutoFit/>
+          </a:bodyPr>
+          <a:lstStyle/>
+          <a:p>
+            <a:pPr algn="ctr"/>
+            <a:r>
+              <a:rPr kumimoji="1" lang="en-US" altLang="ja-JP" sz="22000" dirty="0" smtClean="0">
+                <a:solidFill>
+                  <a:srgbClr val="0070C0"/>
+                </a:solidFill>
+                <a:latin typeface="Georgia" pitchFamily="18" charset="0"/>
+              </a:rPr>
+              <a:t>S</a:t>
+            </a:r>
+            <a:r>
+              <a:rPr kumimoji="1" lang="en-US" altLang="ja-JP" sz="22000" dirty="0" smtClean="0">
+                <a:solidFill>
+                  <a:srgbClr val="FFC000"/>
+                </a:solidFill>
+                <a:latin typeface="Georgia" pitchFamily="18" charset="0"/>
+              </a:rPr>
+              <a:t>L</a:t>
+            </a:r>
+            <a:r>
+              <a:rPr kumimoji="1" lang="en-US" altLang="ja-JP" sz="22000" dirty="0" smtClean="0">
+                <a:solidFill>
+                  <a:srgbClr val="FF0000"/>
+                </a:solidFill>
+                <a:latin typeface="Georgia" pitchFamily="18" charset="0"/>
+              </a:rPr>
+              <a:t>E</a:t>
+            </a:r>
+            <a:endParaRPr kumimoji="1" lang="ja-JP" altLang="en-US" sz="22000" dirty="0">
+              <a:solidFill>
+                <a:srgbClr val="FF0000"/>
+              </a:solidFill>
+              <a:latin typeface="Georgia" pitchFamily="18" charset="0"/>
+            </a:endParaRPr>
+          </a:p>
+        </p:txBody>
+      </p:sp>
+      <p:sp>
+        <p:nvSpPr>
+          <p:cNvPr id="3" name="正方形/長方形 2"/>
+          <p:cNvSpPr/>
+          <p:nvPr/>
+        </p:nvSpPr>
+        <p:spPr>
+          <a:xfrm>
+            <a:off x="2716217" y="2730411"/>
+            <a:ext cx="3717684" cy="3477875"/>
+          </a:xfrm>
+          <a:prstGeom prst="rect">
+            <a:avLst/>
+          </a:prstGeom>
+        </p:spPr>
+        <p:txBody>
+          <a:bodyPr wrap="none">
+            <a:spAutoFit/>
+          </a:bodyPr>
+          <a:lstStyle/>
+          <a:p>
+            <a:r>
+              <a:rPr lang="en-US" altLang="ja-JP" sz="22000" dirty="0">
+                <a:solidFill>
+                  <a:srgbClr val="7030A0"/>
+                </a:solidFill>
+                <a:latin typeface="Georgia" pitchFamily="18" charset="0"/>
+              </a:rPr>
+              <a:t>E</a:t>
+            </a:r>
+            <a:r>
+              <a:rPr lang="en-US" altLang="ja-JP" sz="22000" dirty="0">
+                <a:solidFill>
+                  <a:srgbClr val="00B050"/>
+                </a:solidFill>
+                <a:latin typeface="Georgia" pitchFamily="18" charset="0"/>
+              </a:rPr>
+              <a:t>F</a:t>
+            </a:r>
+            <a:endParaRPr lang="ja-JP" altLang="en-US" sz="22000" dirty="0">
+              <a:solidFill>
+                <a:srgbClr val="00B050"/>
+              </a:solidFill>
+            </a:endParaRPr>
+          </a:p>
+        </p:txBody>
+      </p:sp>
+    </p:spTree>
+    <p:extLst>
+      <p:ext uri="{BB962C8B-B14F-4D97-AF65-F5344CB8AC3E}">
+        <p14:creationId xmlns:p14="http://schemas.microsoft.com/office/powerpoint/2010/main" val="1188834662"/>
+      </p:ext>
+    </p:extLst>
+  </p:cSld>
+  <p:clrMapOvr>
+    <a:masterClrMapping/>
+  </p:clrMapOvr>
+</p:sld>
+</file>
+
+<file path=ppt/slides/slide4.xml><?xml version="1.0" encoding="utf-8"?>
 <p:sld xmlns:a="http://schemas.openxmlformats.org/drawingml/2006/main" xmlns:r="http://schemas.openxmlformats.org/officeDocument/2006/relationships" xmlns:p="http://schemas.openxmlformats.org/presentationml/2006/main">
   <p:cSld>
     <p:spTree>
@@ -6028,7 +6444,7 @@
 </p:sld>
 </file>
 
-<file path=ppt/slides/slide3.xml><?xml version="1.0" encoding="utf-8"?>
+<file path=ppt/slides/slide5.xml><?xml version="1.0" encoding="utf-8"?>
 <p:sld xmlns:a="http://schemas.openxmlformats.org/drawingml/2006/main" xmlns:r="http://schemas.openxmlformats.org/officeDocument/2006/relationships" xmlns:p="http://schemas.openxmlformats.org/presentationml/2006/main">
   <p:cSld>
     <p:spTree>
@@ -7228,7 +7644,7 @@
 </p:sld>
 </file>
 
-<file path=ppt/slides/slide4.xml><?xml version="1.0" encoding="utf-8"?>
+<file path=ppt/slides/slide6.xml><?xml version="1.0" encoding="utf-8"?>
 <p:sld xmlns:a="http://schemas.openxmlformats.org/drawingml/2006/main" xmlns:r="http://schemas.openxmlformats.org/officeDocument/2006/relationships" xmlns:p="http://schemas.openxmlformats.org/presentationml/2006/main">
   <p:cSld>
     <p:spTree>
